--- a/LOG/0119.pptx
+++ b/LOG/0119.pptx
@@ -11,9 +11,13 @@
     <p:sldId id="257" r:id="rId5"/>
     <p:sldId id="258" r:id="rId6"/>
     <p:sldId id="269" r:id="rId7"/>
-    <p:sldId id="268" r:id="rId8"/>
-    <p:sldId id="267" r:id="rId9"/>
-    <p:sldId id="264" r:id="rId10"/>
+    <p:sldId id="270" r:id="rId8"/>
+    <p:sldId id="268" r:id="rId9"/>
+    <p:sldId id="267" r:id="rId10"/>
+    <p:sldId id="264" r:id="rId11"/>
+    <p:sldId id="271" r:id="rId12"/>
+    <p:sldId id="272" r:id="rId13"/>
+    <p:sldId id="273" r:id="rId14"/>
   </p:sldIdLst>
   <p:sldSz cx="12192000" cy="6858000"/>
   <p:notesSz cx="6858000" cy="9144000"/>
@@ -112,6 +116,11 @@
       </a:defRPr>
     </a:lvl9pPr>
   </p:defaultTextStyle>
+  <p:extLst>
+    <p:ext uri="{EFAFB233-063F-42B5-8137-9DF3F51BA10A}">
+      <p15:sldGuideLst xmlns:p15="http://schemas.microsoft.com/office/powerpoint/2012/main"/>
+    </p:ext>
+  </p:extLst>
 </p:presentation>
 </file>
 
@@ -3396,6 +3405,489 @@
 </p:sld>
 </file>
 
+<file path=ppt/slides/slide10.xml><?xml version="1.0" encoding="utf-8"?>
+<p:sld xmlns:a="http://schemas.openxmlformats.org/drawingml/2006/main" xmlns:r="http://schemas.openxmlformats.org/officeDocument/2006/relationships" xmlns:p="http://schemas.openxmlformats.org/presentationml/2006/main">
+  <p:cSld>
+    <p:spTree>
+      <p:nvGrpSpPr>
+        <p:cNvPr id="1" name=""/>
+        <p:cNvGrpSpPr/>
+        <p:nvPr/>
+      </p:nvGrpSpPr>
+      <p:grpSpPr>
+        <a:xfrm>
+          <a:off x="0" y="0"/>
+          <a:ext cx="0" cy="0"/>
+          <a:chOff x="0" y="0"/>
+          <a:chExt cx="0" cy="0"/>
+        </a:xfrm>
+      </p:grpSpPr>
+      <p:sp>
+        <p:nvSpPr>
+          <p:cNvPr id="2" name="標題 1">
+            <a:extLst>
+              <a:ext uri="{FF2B5EF4-FFF2-40B4-BE49-F238E27FC236}">
+                <a16:creationId xmlns:a16="http://schemas.microsoft.com/office/drawing/2014/main" id="{4522FA2C-3360-5BCC-3E0D-55088A92D49B}"/>
+              </a:ext>
+            </a:extLst>
+          </p:cNvPr>
+          <p:cNvSpPr>
+            <a:spLocks noGrp="1"/>
+          </p:cNvSpPr>
+          <p:nvPr>
+            <p:ph type="title"/>
+          </p:nvPr>
+        </p:nvSpPr>
+        <p:spPr/>
+        <p:txBody>
+          <a:bodyPr/>
+          <a:lstStyle/>
+          <a:p>
+            <a:r>
+              <a:rPr lang="en-US" altLang="zh-TW" dirty="0"/>
+              <a:t>Roadmap</a:t>
+            </a:r>
+            <a:endParaRPr lang="zh-TW" altLang="en-US" dirty="0"/>
+          </a:p>
+        </p:txBody>
+      </p:sp>
+      <p:sp>
+        <p:nvSpPr>
+          <p:cNvPr id="3" name="內容版面配置區 2">
+            <a:extLst>
+              <a:ext uri="{FF2B5EF4-FFF2-40B4-BE49-F238E27FC236}">
+                <a16:creationId xmlns:a16="http://schemas.microsoft.com/office/drawing/2014/main" id="{5FC2C1A7-2905-731D-9323-106718F3C4E3}"/>
+              </a:ext>
+            </a:extLst>
+          </p:cNvPr>
+          <p:cNvSpPr>
+            <a:spLocks noGrp="1"/>
+          </p:cNvSpPr>
+          <p:nvPr>
+            <p:ph idx="1"/>
+          </p:nvPr>
+        </p:nvSpPr>
+        <p:spPr/>
+        <p:txBody>
+          <a:bodyPr/>
+          <a:lstStyle/>
+          <a:p>
+            <a:r>
+              <a:rPr lang="zh-TW" altLang="en-US" dirty="0"/>
+              <a:t>我在哪裡</a:t>
+            </a:r>
+            <a:r>
+              <a:rPr lang="en-US" altLang="zh-TW" dirty="0"/>
+              <a:t>?</a:t>
+            </a:r>
+          </a:p>
+          <a:p>
+            <a:r>
+              <a:rPr lang="zh-TW" altLang="en-US" dirty="0"/>
+              <a:t>接下來還有哪些東西</a:t>
+            </a:r>
+            <a:r>
+              <a:rPr lang="en-US" altLang="zh-TW" dirty="0"/>
+              <a:t>?</a:t>
+            </a:r>
+          </a:p>
+          <a:p>
+            <a:pPr marL="0" indent="0">
+              <a:buNone/>
+            </a:pPr>
+            <a:r>
+              <a:rPr lang="en-US" altLang="zh-TW" dirty="0"/>
+              <a:t>1.</a:t>
+            </a:r>
+            <a:r>
+              <a:rPr lang="zh-TW" altLang="en-US" dirty="0"/>
+              <a:t>接觸不同</a:t>
+            </a:r>
+            <a:r>
+              <a:rPr lang="en-US" altLang="zh-TW" dirty="0"/>
+              <a:t>CS</a:t>
+            </a:r>
+            <a:r>
+              <a:rPr lang="zh-TW" altLang="en-US" dirty="0"/>
+              <a:t>領域的東西，瞭解本科生學過的內容</a:t>
+            </a:r>
+            <a:endParaRPr lang="en-US" altLang="zh-TW" dirty="0"/>
+          </a:p>
+          <a:p>
+            <a:pPr marL="0" indent="0">
+              <a:buNone/>
+            </a:pPr>
+            <a:r>
+              <a:rPr lang="zh-TW" altLang="en-US" dirty="0"/>
+              <a:t>演算法、資料結構、功能拆分</a:t>
+            </a:r>
+            <a:endParaRPr lang="en-US" altLang="zh-TW" dirty="0"/>
+          </a:p>
+          <a:p>
+            <a:pPr marL="0" indent="0">
+              <a:buNone/>
+            </a:pPr>
+            <a:r>
+              <a:rPr lang="en-US" altLang="zh-TW" dirty="0"/>
+              <a:t>2.</a:t>
+            </a:r>
+            <a:r>
+              <a:rPr lang="zh-TW" altLang="en-US" dirty="0"/>
+              <a:t>套用到物件導向 做 </a:t>
+            </a:r>
+            <a:r>
+              <a:rPr lang="en-US" altLang="zh-TW" dirty="0"/>
+              <a:t>App </a:t>
+            </a:r>
+            <a:r>
+              <a:rPr lang="zh-TW" altLang="en-US" dirty="0"/>
+              <a:t>的應用開發</a:t>
+            </a:r>
+            <a:endParaRPr lang="en-US" altLang="zh-TW" dirty="0"/>
+          </a:p>
+          <a:p>
+            <a:pPr marL="0" indent="0">
+              <a:buNone/>
+            </a:pPr>
+            <a:r>
+              <a:rPr lang="en-US" altLang="zh-TW" dirty="0"/>
+              <a:t>1.5~2Years.</a:t>
+            </a:r>
+            <a:endParaRPr lang="zh-TW" altLang="en-US" dirty="0"/>
+          </a:p>
+        </p:txBody>
+      </p:sp>
+    </p:spTree>
+    <p:extLst>
+      <p:ext uri="{BB962C8B-B14F-4D97-AF65-F5344CB8AC3E}">
+        <p14:creationId xmlns:p14="http://schemas.microsoft.com/office/powerpoint/2010/main" val="298142601"/>
+      </p:ext>
+    </p:extLst>
+  </p:cSld>
+  <p:clrMapOvr>
+    <a:masterClrMapping/>
+  </p:clrMapOvr>
+</p:sld>
+</file>
+
+<file path=ppt/slides/slide11.xml><?xml version="1.0" encoding="utf-8"?>
+<p:sld xmlns:a="http://schemas.openxmlformats.org/drawingml/2006/main" xmlns:r="http://schemas.openxmlformats.org/officeDocument/2006/relationships" xmlns:p="http://schemas.openxmlformats.org/presentationml/2006/main">
+  <p:cSld>
+    <p:spTree>
+      <p:nvGrpSpPr>
+        <p:cNvPr id="1" name=""/>
+        <p:cNvGrpSpPr/>
+        <p:nvPr/>
+      </p:nvGrpSpPr>
+      <p:grpSpPr>
+        <a:xfrm>
+          <a:off x="0" y="0"/>
+          <a:ext cx="0" cy="0"/>
+          <a:chOff x="0" y="0"/>
+          <a:chExt cx="0" cy="0"/>
+        </a:xfrm>
+      </p:grpSpPr>
+      <p:sp>
+        <p:nvSpPr>
+          <p:cNvPr id="2" name="標題 1">
+            <a:extLst>
+              <a:ext uri="{FF2B5EF4-FFF2-40B4-BE49-F238E27FC236}">
+                <a16:creationId xmlns:a16="http://schemas.microsoft.com/office/drawing/2014/main" id="{94E112FF-FAB8-AFB1-7A4E-124C456F41FE}"/>
+              </a:ext>
+            </a:extLst>
+          </p:cNvPr>
+          <p:cNvSpPr>
+            <a:spLocks noGrp="1"/>
+          </p:cNvSpPr>
+          <p:nvPr>
+            <p:ph type="title"/>
+          </p:nvPr>
+        </p:nvSpPr>
+        <p:spPr/>
+        <p:txBody>
+          <a:bodyPr/>
+          <a:lstStyle/>
+          <a:p>
+            <a:endParaRPr lang="zh-TW" altLang="en-US"/>
+          </a:p>
+        </p:txBody>
+      </p:sp>
+      <p:sp>
+        <p:nvSpPr>
+          <p:cNvPr id="3" name="內容版面配置區 2">
+            <a:extLst>
+              <a:ext uri="{FF2B5EF4-FFF2-40B4-BE49-F238E27FC236}">
+                <a16:creationId xmlns:a16="http://schemas.microsoft.com/office/drawing/2014/main" id="{7AF37C6D-1F91-5B90-5139-6057C7D13DBF}"/>
+              </a:ext>
+            </a:extLst>
+          </p:cNvPr>
+          <p:cNvSpPr>
+            <a:spLocks noGrp="1"/>
+          </p:cNvSpPr>
+          <p:nvPr>
+            <p:ph idx="1"/>
+          </p:nvPr>
+        </p:nvSpPr>
+        <p:spPr/>
+        <p:txBody>
+          <a:bodyPr/>
+          <a:lstStyle/>
+          <a:p>
+            <a:r>
+              <a:rPr lang="zh-TW" altLang="en-US" dirty="0"/>
+              <a:t>功能可以單獨加入、拆分</a:t>
+            </a:r>
+            <a:endParaRPr lang="en-US" altLang="zh-TW" dirty="0"/>
+          </a:p>
+          <a:p>
+            <a:r>
+              <a:rPr lang="zh-TW" altLang="en-US" dirty="0"/>
+              <a:t>商業邏輯與功能可拆分</a:t>
+            </a:r>
+          </a:p>
+        </p:txBody>
+      </p:sp>
+    </p:spTree>
+    <p:extLst>
+      <p:ext uri="{BB962C8B-B14F-4D97-AF65-F5344CB8AC3E}">
+        <p14:creationId xmlns:p14="http://schemas.microsoft.com/office/powerpoint/2010/main" val="3443037475"/>
+      </p:ext>
+    </p:extLst>
+  </p:cSld>
+  <p:clrMapOvr>
+    <a:masterClrMapping/>
+  </p:clrMapOvr>
+</p:sld>
+</file>
+
+<file path=ppt/slides/slide12.xml><?xml version="1.0" encoding="utf-8"?>
+<p:sld xmlns:a="http://schemas.openxmlformats.org/drawingml/2006/main" xmlns:r="http://schemas.openxmlformats.org/officeDocument/2006/relationships" xmlns:p="http://schemas.openxmlformats.org/presentationml/2006/main">
+  <p:cSld>
+    <p:spTree>
+      <p:nvGrpSpPr>
+        <p:cNvPr id="1" name=""/>
+        <p:cNvGrpSpPr/>
+        <p:nvPr/>
+      </p:nvGrpSpPr>
+      <p:grpSpPr>
+        <a:xfrm>
+          <a:off x="0" y="0"/>
+          <a:ext cx="0" cy="0"/>
+          <a:chOff x="0" y="0"/>
+          <a:chExt cx="0" cy="0"/>
+        </a:xfrm>
+      </p:grpSpPr>
+      <p:sp>
+        <p:nvSpPr>
+          <p:cNvPr id="2" name="標題 1">
+            <a:extLst>
+              <a:ext uri="{FF2B5EF4-FFF2-40B4-BE49-F238E27FC236}">
+                <a16:creationId xmlns:a16="http://schemas.microsoft.com/office/drawing/2014/main" id="{5B7BEECD-85ED-FEE1-786E-2DC90E1CB2CB}"/>
+              </a:ext>
+            </a:extLst>
+          </p:cNvPr>
+          <p:cNvSpPr>
+            <a:spLocks noGrp="1"/>
+          </p:cNvSpPr>
+          <p:nvPr>
+            <p:ph type="title"/>
+          </p:nvPr>
+        </p:nvSpPr>
+        <p:spPr/>
+        <p:txBody>
+          <a:bodyPr/>
+          <a:lstStyle/>
+          <a:p>
+            <a:endParaRPr lang="zh-TW" altLang="en-US"/>
+          </a:p>
+        </p:txBody>
+      </p:sp>
+      <p:sp>
+        <p:nvSpPr>
+          <p:cNvPr id="3" name="內容版面配置區 2">
+            <a:extLst>
+              <a:ext uri="{FF2B5EF4-FFF2-40B4-BE49-F238E27FC236}">
+                <a16:creationId xmlns:a16="http://schemas.microsoft.com/office/drawing/2014/main" id="{891B8870-4CBA-F285-071A-854191869D2F}"/>
+              </a:ext>
+            </a:extLst>
+          </p:cNvPr>
+          <p:cNvSpPr>
+            <a:spLocks noGrp="1"/>
+          </p:cNvSpPr>
+          <p:nvPr>
+            <p:ph idx="1"/>
+          </p:nvPr>
+        </p:nvSpPr>
+        <p:spPr/>
+        <p:txBody>
+          <a:bodyPr/>
+          <a:lstStyle/>
+          <a:p>
+            <a:r>
+              <a:rPr lang="zh-TW" altLang="en-US" dirty="0"/>
+              <a:t>寫出類似 </a:t>
+            </a:r>
+            <a:r>
+              <a:rPr lang="en-US" altLang="zh-TW" dirty="0" err="1"/>
+              <a:t>Funidays</a:t>
+            </a:r>
+            <a:r>
+              <a:rPr lang="en-US" altLang="zh-TW" dirty="0"/>
+              <a:t> </a:t>
+            </a:r>
+            <a:r>
+              <a:rPr lang="zh-TW" altLang="en-US" dirty="0"/>
+              <a:t>的軟體</a:t>
+            </a:r>
+          </a:p>
+        </p:txBody>
+      </p:sp>
+    </p:spTree>
+    <p:extLst>
+      <p:ext uri="{BB962C8B-B14F-4D97-AF65-F5344CB8AC3E}">
+        <p14:creationId xmlns:p14="http://schemas.microsoft.com/office/powerpoint/2010/main" val="589379296"/>
+      </p:ext>
+    </p:extLst>
+  </p:cSld>
+  <p:clrMapOvr>
+    <a:masterClrMapping/>
+  </p:clrMapOvr>
+</p:sld>
+</file>
+
+<file path=ppt/slides/slide13.xml><?xml version="1.0" encoding="utf-8"?>
+<p:sld xmlns:a="http://schemas.openxmlformats.org/drawingml/2006/main" xmlns:r="http://schemas.openxmlformats.org/officeDocument/2006/relationships" xmlns:p="http://schemas.openxmlformats.org/presentationml/2006/main">
+  <p:cSld>
+    <p:spTree>
+      <p:nvGrpSpPr>
+        <p:cNvPr id="1" name=""/>
+        <p:cNvGrpSpPr/>
+        <p:nvPr/>
+      </p:nvGrpSpPr>
+      <p:grpSpPr>
+        <a:xfrm>
+          <a:off x="0" y="0"/>
+          <a:ext cx="0" cy="0"/>
+          <a:chOff x="0" y="0"/>
+          <a:chExt cx="0" cy="0"/>
+        </a:xfrm>
+      </p:grpSpPr>
+      <p:sp>
+        <p:nvSpPr>
+          <p:cNvPr id="2" name="標題 1">
+            <a:extLst>
+              <a:ext uri="{FF2B5EF4-FFF2-40B4-BE49-F238E27FC236}">
+                <a16:creationId xmlns:a16="http://schemas.microsoft.com/office/drawing/2014/main" id="{EEDDD0C9-53F6-287F-0354-A49CFC2FE234}"/>
+              </a:ext>
+            </a:extLst>
+          </p:cNvPr>
+          <p:cNvSpPr>
+            <a:spLocks noGrp="1"/>
+          </p:cNvSpPr>
+          <p:nvPr>
+            <p:ph type="title"/>
+          </p:nvPr>
+        </p:nvSpPr>
+        <p:spPr/>
+        <p:txBody>
+          <a:bodyPr/>
+          <a:lstStyle/>
+          <a:p>
+            <a:r>
+              <a:rPr lang="zh-TW" altLang="en-US" dirty="0"/>
+              <a:t>作業</a:t>
+            </a:r>
+          </a:p>
+        </p:txBody>
+      </p:sp>
+      <p:sp>
+        <p:nvSpPr>
+          <p:cNvPr id="3" name="內容版面配置區 2">
+            <a:extLst>
+              <a:ext uri="{FF2B5EF4-FFF2-40B4-BE49-F238E27FC236}">
+                <a16:creationId xmlns:a16="http://schemas.microsoft.com/office/drawing/2014/main" id="{B181E7B2-762D-2C3F-49EC-70127000EB5E}"/>
+              </a:ext>
+            </a:extLst>
+          </p:cNvPr>
+          <p:cNvSpPr>
+            <a:spLocks noGrp="1"/>
+          </p:cNvSpPr>
+          <p:nvPr>
+            <p:ph idx="1"/>
+          </p:nvPr>
+        </p:nvSpPr>
+        <p:spPr/>
+        <p:txBody>
+          <a:bodyPr/>
+          <a:lstStyle/>
+          <a:p>
+            <a:r>
+              <a:rPr lang="zh-TW" altLang="en-US" dirty="0"/>
+              <a:t>陣列教學</a:t>
+            </a:r>
+            <a:r>
+              <a:rPr lang="en-US" altLang="zh-TW" dirty="0"/>
+              <a:t>(</a:t>
+            </a:r>
+            <a:r>
+              <a:rPr lang="zh-TW" altLang="en-US" dirty="0"/>
+              <a:t>三</a:t>
+            </a:r>
+            <a:r>
+              <a:rPr lang="en-US" altLang="zh-TW" dirty="0"/>
+              <a:t>)</a:t>
+            </a:r>
+            <a:r>
+              <a:rPr lang="zh-TW" altLang="en-US" dirty="0"/>
+              <a:t>：也可以是作業應用，兩個字串是否由相同字母組成：</a:t>
+            </a:r>
+            <a:r>
+              <a:rPr lang="en-US" altLang="zh-TW" dirty="0"/>
+              <a:t>Valid Anagram</a:t>
+            </a:r>
+          </a:p>
+          <a:p>
+            <a:r>
+              <a:rPr lang="zh-TW" altLang="en-US" dirty="0"/>
+              <a:t>字串群組</a:t>
+            </a:r>
+            <a:r>
+              <a:rPr lang="en-US" altLang="zh-TW" dirty="0"/>
+              <a:t>-</a:t>
+            </a:r>
+            <a:r>
+              <a:rPr lang="en-US" altLang="zh-TW" dirty="0" err="1"/>
+              <a:t>Medium:Group</a:t>
+            </a:r>
+            <a:r>
+              <a:rPr lang="en-US" altLang="zh-TW" dirty="0"/>
+              <a:t> Anagrams (</a:t>
+            </a:r>
+            <a:r>
+              <a:rPr lang="zh-TW" altLang="en-US" dirty="0"/>
+              <a:t>延續上一題，內功心法組合</a:t>
+            </a:r>
+            <a:r>
+              <a:rPr lang="en-US" altLang="zh-TW" dirty="0"/>
+              <a:t>)</a:t>
+            </a:r>
+            <a:endParaRPr lang="zh-TW" altLang="en-US" dirty="0"/>
+          </a:p>
+        </p:txBody>
+      </p:sp>
+    </p:spTree>
+    <p:extLst>
+      <p:ext uri="{BB962C8B-B14F-4D97-AF65-F5344CB8AC3E}">
+        <p14:creationId xmlns:p14="http://schemas.microsoft.com/office/powerpoint/2010/main" val="1950781976"/>
+      </p:ext>
+    </p:extLst>
+  </p:cSld>
+  <p:clrMapOvr>
+    <a:masterClrMapping/>
+  </p:clrMapOvr>
+</p:sld>
+</file>
+
 <file path=ppt/slides/slide2.xml><?xml version="1.0" encoding="utf-8"?>
 <p:sld xmlns:a="http://schemas.openxmlformats.org/drawingml/2006/main" xmlns:r="http://schemas.openxmlformats.org/officeDocument/2006/relationships" xmlns:p="http://schemas.openxmlformats.org/presentationml/2006/main">
   <p:cSld>
@@ -4020,6 +4512,54 @@
           </a:prstGeom>
         </p:spPr>
       </p:pic>
+      <p:sp>
+        <p:nvSpPr>
+          <p:cNvPr id="4" name="文字方塊 3">
+            <a:extLst>
+              <a:ext uri="{FF2B5EF4-FFF2-40B4-BE49-F238E27FC236}">
+                <a16:creationId xmlns:a16="http://schemas.microsoft.com/office/drawing/2014/main" id="{87FD9C56-3430-3DE1-2E45-6B0A0AF0804D}"/>
+              </a:ext>
+            </a:extLst>
+          </p:cNvPr>
+          <p:cNvSpPr txBox="1"/>
+          <p:nvPr/>
+        </p:nvSpPr>
+        <p:spPr>
+          <a:xfrm>
+            <a:off x="8442476" y="2148113"/>
+            <a:ext cx="3362476" cy="923330"/>
+          </a:xfrm>
+          <a:prstGeom prst="rect">
+            <a:avLst/>
+          </a:prstGeom>
+          <a:noFill/>
+        </p:spPr>
+        <p:txBody>
+          <a:bodyPr wrap="square" rtlCol="0">
+            <a:spAutoFit/>
+          </a:bodyPr>
+          <a:lstStyle/>
+          <a:p>
+            <a:r>
+              <a:rPr lang="en-US" altLang="zh-TW" dirty="0"/>
+              <a:t>String str = new String(“AAA”)</a:t>
+            </a:r>
+          </a:p>
+          <a:p>
+            <a:r>
+              <a:rPr lang="en-US" altLang="zh-TW" dirty="0" err="1"/>
+              <a:t>str.Intern</a:t>
+            </a:r>
+            <a:r>
+              <a:rPr lang="en-US" altLang="zh-TW" dirty="0"/>
+              <a:t>();</a:t>
+            </a:r>
+          </a:p>
+          <a:p>
+            <a:endParaRPr lang="zh-TW" altLang="en-US" dirty="0"/>
+          </a:p>
+        </p:txBody>
+      </p:sp>
     </p:spTree>
     <p:extLst>
       <p:ext uri="{BB962C8B-B14F-4D97-AF65-F5344CB8AC3E}">
@@ -4122,6 +4662,24 @@
             </a:r>
             <a:endParaRPr lang="en-US" altLang="zh-TW" dirty="0"/>
           </a:p>
+          <a:p>
+            <a:r>
+              <a:rPr lang="zh-TW" altLang="en-US" dirty="0"/>
+              <a:t>要做的是沿途動態尋找是否產生循環</a:t>
+            </a:r>
+            <a:r>
+              <a:rPr lang="en-US" altLang="zh-TW" dirty="0"/>
+              <a:t>=&gt;</a:t>
+            </a:r>
+            <a:r>
+              <a:rPr lang="zh-TW" altLang="en-US" dirty="0"/>
+              <a:t>重做一次</a:t>
+            </a:r>
+            <a:endParaRPr lang="en-US" altLang="zh-TW" dirty="0"/>
+          </a:p>
+          <a:p>
+            <a:endParaRPr lang="en-US" altLang="zh-TW" dirty="0"/>
+          </a:p>
         </p:txBody>
       </p:sp>
     </p:spTree>
@@ -4189,7 +4747,7 @@
             </a:r>
             <a:r>
               <a:rPr lang="en-US" altLang="zh-TW" dirty="0"/>
-              <a:t>vs </a:t>
+              <a:t>and </a:t>
             </a:r>
             <a:r>
               <a:rPr lang="zh-TW" altLang="en-US" dirty="0"/>
@@ -4224,6 +4782,52 @@
           <a:bodyPr/>
           <a:lstStyle/>
           <a:p>
+            <a:r>
+              <a:rPr lang="zh-TW" altLang="en-US" dirty="0"/>
+              <a:t>泛型絕大多數情況就是我沒有要處理傳入的類型，只管存起來</a:t>
+            </a:r>
+            <a:endParaRPr lang="en-US" altLang="zh-TW" dirty="0"/>
+          </a:p>
+          <a:p>
+            <a:r>
+              <a:rPr lang="en-US" altLang="zh-TW" dirty="0"/>
+              <a:t>Class student</a:t>
+            </a:r>
+          </a:p>
+          <a:p>
+            <a:r>
+              <a:rPr lang="en-US" altLang="zh-TW" dirty="0"/>
+              <a:t>{</a:t>
+            </a:r>
+          </a:p>
+          <a:p>
+            <a:r>
+              <a:rPr lang="en-US" altLang="zh-TW" dirty="0"/>
+              <a:t>}</a:t>
+            </a:r>
+          </a:p>
+          <a:p>
+            <a:pPr marL="0" indent="0">
+              <a:buNone/>
+            </a:pPr>
+            <a:endParaRPr lang="en-US" altLang="zh-TW" dirty="0"/>
+          </a:p>
+          <a:p>
+            <a:pPr marL="0" indent="0">
+              <a:buNone/>
+            </a:pPr>
+            <a:r>
+              <a:rPr lang="en-US" altLang="zh-TW" dirty="0"/>
+              <a:t>Student A</a:t>
+            </a:r>
+            <a:r>
+              <a:rPr lang="zh-TW" altLang="en-US" dirty="0"/>
+              <a:t> </a:t>
+            </a:r>
+            <a:r>
+              <a:rPr lang="en-US" altLang="zh-TW" dirty="0"/>
+              <a:t>[T]</a:t>
+            </a:r>
             <a:endParaRPr lang="zh-TW" altLang="en-US" dirty="0"/>
           </a:p>
         </p:txBody>
@@ -4263,7 +4867,7 @@
           <p:cNvPr id="2" name="標題 1">
             <a:extLst>
               <a:ext uri="{FF2B5EF4-FFF2-40B4-BE49-F238E27FC236}">
-                <a16:creationId xmlns:a16="http://schemas.microsoft.com/office/drawing/2014/main" id="{7848576B-DB5A-2350-CEE6-5D56126D8FBB}"/>
+                <a16:creationId xmlns:a16="http://schemas.microsoft.com/office/drawing/2014/main" id="{260FAD9B-5F58-7DA9-5869-77FE0218A259}"/>
               </a:ext>
             </a:extLst>
           </p:cNvPr>
@@ -4292,7 +4896,7 @@
           <p:cNvPr id="3" name="內容版面配置區 2">
             <a:extLst>
               <a:ext uri="{FF2B5EF4-FFF2-40B4-BE49-F238E27FC236}">
-                <a16:creationId xmlns:a16="http://schemas.microsoft.com/office/drawing/2014/main" id="{9E632E8C-4CE3-84CC-9095-FAA6EE197ACD}"/>
+                <a16:creationId xmlns:a16="http://schemas.microsoft.com/office/drawing/2014/main" id="{E6E8DE94-6C0D-01FB-1031-C90D8BE6FD76}"/>
               </a:ext>
             </a:extLst>
           </p:cNvPr>
@@ -4310,20 +4914,7 @@
           <a:p>
             <a:r>
               <a:rPr lang="zh-TW" altLang="en-US" dirty="0"/>
-              <a:t>應用場景</a:t>
-            </a:r>
-            <a:r>
-              <a:rPr lang="en-US" altLang="zh-TW" dirty="0"/>
-              <a:t>:</a:t>
-            </a:r>
-          </a:p>
-          <a:p>
-            <a:pPr marL="0" indent="0">
-              <a:buNone/>
-            </a:pPr>
-            <a:r>
-              <a:rPr lang="zh-TW" altLang="en-US" dirty="0"/>
-              <a:t>假設我的程式無法在編譯階段就知道接收的資料是甚麼，需要在讀取時動態檢查接收的資料類型。</a:t>
+              <a:t>對象示泛型型別，不知道內容有甚麼，可以動態查找內部有甚麼功能可使用或執行。</a:t>
             </a:r>
           </a:p>
         </p:txBody>
@@ -4331,7 +4922,7 @@
     </p:spTree>
     <p:extLst>
       <p:ext uri="{BB962C8B-B14F-4D97-AF65-F5344CB8AC3E}">
-        <p14:creationId xmlns:p14="http://schemas.microsoft.com/office/powerpoint/2010/main" val="1836124772"/>
+        <p14:creationId xmlns:p14="http://schemas.microsoft.com/office/powerpoint/2010/main" val="2171004876"/>
       </p:ext>
     </p:extLst>
   </p:cSld>
@@ -4363,7 +4954,7 @@
           <p:cNvPr id="2" name="標題 1">
             <a:extLst>
               <a:ext uri="{FF2B5EF4-FFF2-40B4-BE49-F238E27FC236}">
-                <a16:creationId xmlns:a16="http://schemas.microsoft.com/office/drawing/2014/main" id="{9C03046B-C7EA-8C15-B37B-7D89BB7E4686}"/>
+                <a16:creationId xmlns:a16="http://schemas.microsoft.com/office/drawing/2014/main" id="{7848576B-DB5A-2350-CEE6-5D56126D8FBB}"/>
               </a:ext>
             </a:extLst>
           </p:cNvPr>
@@ -4381,7 +4972,7 @@
           <a:p>
             <a:r>
               <a:rPr lang="en-US" altLang="zh-TW" dirty="0"/>
-              <a:t>Dynamic</a:t>
+              <a:t>Reflection(XX)=&gt;Dynamic</a:t>
             </a:r>
             <a:endParaRPr lang="zh-TW" altLang="en-US" dirty="0"/>
           </a:p>
@@ -4392,7 +4983,7 @@
           <p:cNvPr id="3" name="內容版面配置區 2">
             <a:extLst>
               <a:ext uri="{FF2B5EF4-FFF2-40B4-BE49-F238E27FC236}">
-                <a16:creationId xmlns:a16="http://schemas.microsoft.com/office/drawing/2014/main" id="{7984D091-13BC-D4B8-789B-AB8CBA59494D}"/>
+                <a16:creationId xmlns:a16="http://schemas.microsoft.com/office/drawing/2014/main" id="{9E632E8C-4CE3-84CC-9095-FAA6EE197ACD}"/>
               </a:ext>
             </a:extLst>
           </p:cNvPr>
@@ -4410,30 +5001,28 @@
           <a:p>
             <a:r>
               <a:rPr lang="zh-TW" altLang="en-US" dirty="0"/>
-              <a:t>編譯時操作就可以確定者為 </a:t>
+              <a:t>應用場景</a:t>
             </a:r>
             <a:r>
               <a:rPr lang="en-US" altLang="zh-TW" dirty="0"/>
-              <a:t>Static</a:t>
-            </a:r>
-          </a:p>
-          <a:p>
+              <a:t>:</a:t>
+            </a:r>
+          </a:p>
+          <a:p>
+            <a:pPr marL="0" indent="0">
+              <a:buNone/>
+            </a:pPr>
             <a:r>
               <a:rPr lang="zh-TW" altLang="en-US" dirty="0"/>
-              <a:t>運行時才能確定者為 </a:t>
-            </a:r>
-            <a:r>
-              <a:rPr lang="en-US" altLang="zh-TW" dirty="0"/>
-              <a:t>Dynamic</a:t>
-            </a:r>
-            <a:endParaRPr lang="zh-TW" altLang="en-US" dirty="0"/>
+              <a:t>假設我的程式無法在編譯階段就知道接收的資料是甚麼，需要在讀取時動態檢查接收的資料型別。</a:t>
+            </a:r>
           </a:p>
         </p:txBody>
       </p:sp>
     </p:spTree>
     <p:extLst>
       <p:ext uri="{BB962C8B-B14F-4D97-AF65-F5344CB8AC3E}">
-        <p14:creationId xmlns:p14="http://schemas.microsoft.com/office/powerpoint/2010/main" val="3880198184"/>
+        <p14:creationId xmlns:p14="http://schemas.microsoft.com/office/powerpoint/2010/main" val="1836124772"/>
       </p:ext>
     </p:extLst>
   </p:cSld>
@@ -4465,7 +5054,7 @@
           <p:cNvPr id="2" name="標題 1">
             <a:extLst>
               <a:ext uri="{FF2B5EF4-FFF2-40B4-BE49-F238E27FC236}">
-                <a16:creationId xmlns:a16="http://schemas.microsoft.com/office/drawing/2014/main" id="{4522FA2C-3360-5BCC-3E0D-55088A92D49B}"/>
+                <a16:creationId xmlns:a16="http://schemas.microsoft.com/office/drawing/2014/main" id="{9C03046B-C7EA-8C15-B37B-7D89BB7E4686}"/>
               </a:ext>
             </a:extLst>
           </p:cNvPr>
@@ -4483,7 +5072,7 @@
           <a:p>
             <a:r>
               <a:rPr lang="en-US" altLang="zh-TW" dirty="0"/>
-              <a:t>Roadmap</a:t>
+              <a:t>Dynamic</a:t>
             </a:r>
             <a:endParaRPr lang="zh-TW" altLang="en-US" dirty="0"/>
           </a:p>
@@ -4494,7 +5083,7 @@
           <p:cNvPr id="3" name="內容版面配置區 2">
             <a:extLst>
               <a:ext uri="{FF2B5EF4-FFF2-40B4-BE49-F238E27FC236}">
-                <a16:creationId xmlns:a16="http://schemas.microsoft.com/office/drawing/2014/main" id="{5FC2C1A7-2905-731D-9323-106718F3C4E3}"/>
+                <a16:creationId xmlns:a16="http://schemas.microsoft.com/office/drawing/2014/main" id="{7984D091-13BC-D4B8-789B-AB8CBA59494D}"/>
               </a:ext>
             </a:extLst>
           </p:cNvPr>
@@ -4512,85 +5101,33 @@
           <a:p>
             <a:r>
               <a:rPr lang="zh-TW" altLang="en-US" dirty="0"/>
-              <a:t>我在哪裡</a:t>
+              <a:t>運行時才能確定者為 </a:t>
             </a:r>
             <a:r>
               <a:rPr lang="en-US" altLang="zh-TW" dirty="0"/>
-              <a:t>?</a:t>
-            </a:r>
-          </a:p>
-          <a:p>
+              <a:t>Dynamic</a:t>
+            </a:r>
+          </a:p>
+          <a:p>
+            <a:r>
+              <a:rPr lang="en-US" altLang="zh-TW" dirty="0"/>
+              <a:t>Compile </a:t>
+            </a:r>
             <a:r>
               <a:rPr lang="zh-TW" altLang="en-US" dirty="0"/>
-              <a:t>接下來還有哪些東西</a:t>
+              <a:t>時 </a:t>
             </a:r>
             <a:r>
               <a:rPr lang="en-US" altLang="zh-TW" dirty="0"/>
-              <a:t>?</a:t>
-            </a:r>
-          </a:p>
-          <a:p>
-            <a:pPr marL="0" indent="0">
-              <a:buNone/>
-            </a:pPr>
-            <a:r>
-              <a:rPr lang="en-US" altLang="zh-TW" dirty="0"/>
-              <a:t>1.</a:t>
+              <a:t>dynamic </a:t>
             </a:r>
             <a:r>
               <a:rPr lang="zh-TW" altLang="en-US" dirty="0"/>
-              <a:t>接觸不同</a:t>
-            </a:r>
-            <a:r>
-              <a:rPr lang="en-US" altLang="zh-TW" dirty="0"/>
-              <a:t>CS</a:t>
-            </a:r>
-            <a:r>
-              <a:rPr lang="zh-TW" altLang="en-US" dirty="0"/>
-              <a:t>領域的東西，瞭解本科生學過的內容</a:t>
+              <a:t>之後的東西不檢查</a:t>
             </a:r>
             <a:endParaRPr lang="en-US" altLang="zh-TW" dirty="0"/>
           </a:p>
           <a:p>
-            <a:pPr marL="0" indent="0">
-              <a:buNone/>
-            </a:pPr>
-            <a:r>
-              <a:rPr lang="zh-TW" altLang="en-US" dirty="0"/>
-              <a:t>演算法、資料結構、功能拆分</a:t>
-            </a:r>
-            <a:endParaRPr lang="en-US" altLang="zh-TW" dirty="0"/>
-          </a:p>
-          <a:p>
-            <a:pPr marL="0" indent="0">
-              <a:buNone/>
-            </a:pPr>
-            <a:r>
-              <a:rPr lang="en-US" altLang="zh-TW" dirty="0"/>
-              <a:t>2.</a:t>
-            </a:r>
-            <a:r>
-              <a:rPr lang="zh-TW" altLang="en-US" dirty="0"/>
-              <a:t>套用到物件導向 做 </a:t>
-            </a:r>
-            <a:r>
-              <a:rPr lang="en-US" altLang="zh-TW" dirty="0"/>
-              <a:t>App </a:t>
-            </a:r>
-            <a:r>
-              <a:rPr lang="zh-TW" altLang="en-US" dirty="0"/>
-              <a:t>的應用開發</a:t>
-            </a:r>
-            <a:endParaRPr lang="en-US" altLang="zh-TW" dirty="0"/>
-          </a:p>
-          <a:p>
-            <a:pPr marL="0" indent="0">
-              <a:buNone/>
-            </a:pPr>
-            <a:r>
-              <a:rPr lang="en-US" altLang="zh-TW" dirty="0"/>
-              <a:t>1.5~2Years.</a:t>
-            </a:r>
             <a:endParaRPr lang="zh-TW" altLang="en-US" dirty="0"/>
           </a:p>
         </p:txBody>
@@ -4598,7 +5135,7 @@
     </p:spTree>
     <p:extLst>
       <p:ext uri="{BB962C8B-B14F-4D97-AF65-F5344CB8AC3E}">
-        <p14:creationId xmlns:p14="http://schemas.microsoft.com/office/powerpoint/2010/main" val="298142601"/>
+        <p14:creationId xmlns:p14="http://schemas.microsoft.com/office/powerpoint/2010/main" val="3880198184"/>
       </p:ext>
     </p:extLst>
   </p:cSld>

--- a/LOG/0119.pptx
+++ b/LOG/0119.pptx
@@ -271,7 +271,7 @@
           <a:p>
             <a:fld id="{E04FD06E-C80A-4C7B-90CD-00754D540FB7}" type="datetimeFigureOut">
               <a:rPr lang="zh-TW" altLang="en-US" smtClean="0"/>
-              <a:t>2025/1/19</a:t>
+              <a:t>2025/1/20</a:t>
             </a:fld>
             <a:endParaRPr lang="zh-TW" altLang="en-US"/>
           </a:p>
@@ -469,7 +469,7 @@
           <a:p>
             <a:fld id="{E04FD06E-C80A-4C7B-90CD-00754D540FB7}" type="datetimeFigureOut">
               <a:rPr lang="zh-TW" altLang="en-US" smtClean="0"/>
-              <a:t>2025/1/19</a:t>
+              <a:t>2025/1/20</a:t>
             </a:fld>
             <a:endParaRPr lang="zh-TW" altLang="en-US"/>
           </a:p>
@@ -677,7 +677,7 @@
           <a:p>
             <a:fld id="{E04FD06E-C80A-4C7B-90CD-00754D540FB7}" type="datetimeFigureOut">
               <a:rPr lang="zh-TW" altLang="en-US" smtClean="0"/>
-              <a:t>2025/1/19</a:t>
+              <a:t>2025/1/20</a:t>
             </a:fld>
             <a:endParaRPr lang="zh-TW" altLang="en-US"/>
           </a:p>
@@ -875,7 +875,7 @@
           <a:p>
             <a:fld id="{E04FD06E-C80A-4C7B-90CD-00754D540FB7}" type="datetimeFigureOut">
               <a:rPr lang="zh-TW" altLang="en-US" smtClean="0"/>
-              <a:t>2025/1/19</a:t>
+              <a:t>2025/1/20</a:t>
             </a:fld>
             <a:endParaRPr lang="zh-TW" altLang="en-US"/>
           </a:p>
@@ -1150,7 +1150,7 @@
           <a:p>
             <a:fld id="{E04FD06E-C80A-4C7B-90CD-00754D540FB7}" type="datetimeFigureOut">
               <a:rPr lang="zh-TW" altLang="en-US" smtClean="0"/>
-              <a:t>2025/1/19</a:t>
+              <a:t>2025/1/20</a:t>
             </a:fld>
             <a:endParaRPr lang="zh-TW" altLang="en-US"/>
           </a:p>
@@ -1415,7 +1415,7 @@
           <a:p>
             <a:fld id="{E04FD06E-C80A-4C7B-90CD-00754D540FB7}" type="datetimeFigureOut">
               <a:rPr lang="zh-TW" altLang="en-US" smtClean="0"/>
-              <a:t>2025/1/19</a:t>
+              <a:t>2025/1/20</a:t>
             </a:fld>
             <a:endParaRPr lang="zh-TW" altLang="en-US"/>
           </a:p>
@@ -1827,7 +1827,7 @@
           <a:p>
             <a:fld id="{E04FD06E-C80A-4C7B-90CD-00754D540FB7}" type="datetimeFigureOut">
               <a:rPr lang="zh-TW" altLang="en-US" smtClean="0"/>
-              <a:t>2025/1/19</a:t>
+              <a:t>2025/1/20</a:t>
             </a:fld>
             <a:endParaRPr lang="zh-TW" altLang="en-US"/>
           </a:p>
@@ -1968,7 +1968,7 @@
           <a:p>
             <a:fld id="{E04FD06E-C80A-4C7B-90CD-00754D540FB7}" type="datetimeFigureOut">
               <a:rPr lang="zh-TW" altLang="en-US" smtClean="0"/>
-              <a:t>2025/1/19</a:t>
+              <a:t>2025/1/20</a:t>
             </a:fld>
             <a:endParaRPr lang="zh-TW" altLang="en-US"/>
           </a:p>
@@ -2081,7 +2081,7 @@
           <a:p>
             <a:fld id="{E04FD06E-C80A-4C7B-90CD-00754D540FB7}" type="datetimeFigureOut">
               <a:rPr lang="zh-TW" altLang="en-US" smtClean="0"/>
-              <a:t>2025/1/19</a:t>
+              <a:t>2025/1/20</a:t>
             </a:fld>
             <a:endParaRPr lang="zh-TW" altLang="en-US"/>
           </a:p>
@@ -2392,7 +2392,7 @@
           <a:p>
             <a:fld id="{E04FD06E-C80A-4C7B-90CD-00754D540FB7}" type="datetimeFigureOut">
               <a:rPr lang="zh-TW" altLang="en-US" smtClean="0"/>
-              <a:t>2025/1/19</a:t>
+              <a:t>2025/1/20</a:t>
             </a:fld>
             <a:endParaRPr lang="zh-TW" altLang="en-US"/>
           </a:p>
@@ -2680,7 +2680,7 @@
           <a:p>
             <a:fld id="{E04FD06E-C80A-4C7B-90CD-00754D540FB7}" type="datetimeFigureOut">
               <a:rPr lang="zh-TW" altLang="en-US" smtClean="0"/>
-              <a:t>2025/1/19</a:t>
+              <a:t>2025/1/20</a:t>
             </a:fld>
             <a:endParaRPr lang="zh-TW" altLang="en-US"/>
           </a:p>
@@ -2921,7 +2921,7 @@
           <a:p>
             <a:fld id="{E04FD06E-C80A-4C7B-90CD-00754D540FB7}" type="datetimeFigureOut">
               <a:rPr lang="zh-TW" altLang="en-US" smtClean="0"/>
-              <a:t>2025/1/19</a:t>
+              <a:t>2025/1/20</a:t>
             </a:fld>
             <a:endParaRPr lang="zh-TW" altLang="en-US"/>
           </a:p>
@@ -3996,21 +3996,6 @@
               <a:rPr lang="en-US" altLang="zh-TW" dirty="0"/>
               <a:t>…thread pool</a:t>
             </a:r>
-          </a:p>
-          <a:p>
-            <a:r>
-              <a:rPr lang="zh-TW" altLang="en-US" dirty="0"/>
-              <a:t>回文作業 </a:t>
-            </a:r>
-            <a:r>
-              <a:rPr lang="en-US" altLang="zh-TW" dirty="0"/>
-              <a:t>: </a:t>
-            </a:r>
-            <a:r>
-              <a:rPr lang="zh-TW" altLang="en-US" dirty="0"/>
-              <a:t>把功能、步驟分離。</a:t>
-            </a:r>
-            <a:endParaRPr lang="en-US" altLang="zh-TW" dirty="0"/>
           </a:p>
           <a:p>
             <a:endParaRPr lang="en-US" altLang="zh-TW" dirty="0"/>
